--- a/meeting_2024/anchi_0404_meeting.pptx
+++ b/meeting_2024/anchi_0404_meeting.pptx
@@ -256,7 +256,7 @@
             <a:fld id="{D877E232-5BD3-474B-93D4-BBE4BE861F87}" type="datetimeFigureOut">
               <a:rPr lang="zh-TW" altLang="en-US" smtClean="0"/>
               <a:pPr/>
-              <a:t>2024/3/28</a:t>
+              <a:t>2024/3/29</a:t>
             </a:fld>
             <a:endParaRPr lang="zh-TW" altLang="en-US"/>
           </a:p>
@@ -953,7 +953,7 @@
             <a:fld id="{82E6E325-F822-4212-9386-9D4612C75CEF}" type="datetime1">
               <a:rPr lang="zh-TW" altLang="en-US" smtClean="0"/>
               <a:pPr/>
-              <a:t>2024/3/28</a:t>
+              <a:t>2024/3/29</a:t>
             </a:fld>
             <a:endParaRPr lang="zh-TW" altLang="en-US"/>
           </a:p>
@@ -1099,7 +1099,7 @@
             <a:fld id="{89778465-DAD5-498D-AB4D-55D7C9B8665B}" type="datetime1">
               <a:rPr lang="zh-TW" altLang="en-US" smtClean="0"/>
               <a:pPr/>
-              <a:t>2024/3/28</a:t>
+              <a:t>2024/3/29</a:t>
             </a:fld>
             <a:endParaRPr lang="zh-TW" altLang="en-US"/>
           </a:p>
@@ -1278,7 +1278,7 @@
             <a:fld id="{70681225-2E08-4068-AF70-2DD867CA63A5}" type="datetime1">
               <a:rPr lang="zh-TW" altLang="en-US" smtClean="0"/>
               <a:pPr/>
-              <a:t>2024/3/28</a:t>
+              <a:t>2024/3/29</a:t>
             </a:fld>
             <a:endParaRPr lang="zh-TW" altLang="en-US"/>
           </a:p>
@@ -1413,7 +1413,7 @@
             <a:fld id="{34BD1461-E55A-4D82-BE17-51B51CBE1DD9}" type="datetime1">
               <a:rPr lang="zh-TW" altLang="en-US" smtClean="0"/>
               <a:pPr/>
-              <a:t>2024/3/28</a:t>
+              <a:t>2024/3/29</a:t>
             </a:fld>
             <a:endParaRPr lang="zh-TW" altLang="en-US"/>
           </a:p>
@@ -1797,7 +1797,7 @@
             <a:fld id="{50560A66-ECFC-4337-915D-48C9454D627A}" type="datetime1">
               <a:rPr lang="zh-TW" altLang="en-US" smtClean="0"/>
               <a:pPr/>
-              <a:t>2024/3/28</a:t>
+              <a:t>2024/3/29</a:t>
             </a:fld>
             <a:endParaRPr lang="zh-TW" altLang="en-US"/>
           </a:p>
@@ -2093,7 +2093,7 @@
             <a:fld id="{CFDC29B8-7A7D-4F55-BAE5-6A7151E1BCDB}" type="datetime1">
               <a:rPr lang="zh-TW" altLang="en-US" smtClean="0"/>
               <a:pPr/>
-              <a:t>2024/3/28</a:t>
+              <a:t>2024/3/29</a:t>
             </a:fld>
             <a:endParaRPr lang="zh-TW" altLang="en-US"/>
           </a:p>
@@ -2518,7 +2518,7 @@
             <a:fld id="{7D948231-0C7F-43D8-9B50-6B0CF2A67FFA}" type="datetime1">
               <a:rPr lang="zh-TW" altLang="en-US" smtClean="0"/>
               <a:pPr/>
-              <a:t>2024/3/28</a:t>
+              <a:t>2024/3/29</a:t>
             </a:fld>
             <a:endParaRPr lang="zh-TW" altLang="en-US"/>
           </a:p>
@@ -2636,7 +2636,7 @@
             <a:fld id="{EF418B44-EDFC-409F-93DD-EF5C89251185}" type="datetime1">
               <a:rPr lang="zh-TW" altLang="en-US" smtClean="0"/>
               <a:pPr/>
-              <a:t>2024/3/28</a:t>
+              <a:t>2024/3/29</a:t>
             </a:fld>
             <a:endParaRPr lang="zh-TW" altLang="en-US"/>
           </a:p>
@@ -2732,7 +2732,7 @@
             <a:fld id="{CC5F5369-9B42-4CFE-8058-BF22F9445AB6}" type="datetime1">
               <a:rPr lang="zh-TW" altLang="en-US" smtClean="0"/>
               <a:pPr/>
-              <a:t>2024/3/28</a:t>
+              <a:t>2024/3/29</a:t>
             </a:fld>
             <a:endParaRPr lang="zh-TW" altLang="en-US"/>
           </a:p>
@@ -3008,7 +3008,7 @@
             <a:fld id="{ECC6EB90-F6B3-43F2-B8ED-716935D380ED}" type="datetime1">
               <a:rPr lang="zh-TW" altLang="en-US" smtClean="0"/>
               <a:pPr/>
-              <a:t>2024/3/28</a:t>
+              <a:t>2024/3/29</a:t>
             </a:fld>
             <a:endParaRPr lang="zh-TW" altLang="en-US"/>
           </a:p>
@@ -3261,7 +3261,7 @@
             <a:fld id="{DB1525E1-F446-4E68-B769-0621D99AE5A5}" type="datetime1">
               <a:rPr lang="zh-TW" altLang="en-US" smtClean="0"/>
               <a:pPr/>
-              <a:t>2024/3/28</a:t>
+              <a:t>2024/3/29</a:t>
             </a:fld>
             <a:endParaRPr lang="zh-TW" altLang="en-US"/>
           </a:p>
@@ -3618,7 +3618,7 @@
             <a:fld id="{568A7A41-D8CA-466B-BE5A-95AC065E72BC}" type="datetime1">
               <a:rPr lang="zh-TW" altLang="en-US" smtClean="0"/>
               <a:pPr/>
-              <a:t>2024/3/28</a:t>
+              <a:t>2024/3/29</a:t>
             </a:fld>
             <a:endParaRPr lang="zh-TW" altLang="en-US"/>
           </a:p>
@@ -4141,7 +4141,7 @@
                 <a:cs typeface="Times New Roman" panose="02020603050405020304" pitchFamily="18" charset="0"/>
               </a:rPr>
               <a:pPr/>
-              <a:t>2024/3/28</a:t>
+              <a:t>2024/3/29</a:t>
             </a:fld>
             <a:endParaRPr lang="zh-TW" altLang="en-US">
               <a:latin typeface="Times New Roman" panose="02020603050405020304" pitchFamily="18" charset="0"/>
@@ -4283,7 +4283,7 @@
                 <a:cs typeface="Times New Roman" panose="02020603050405020304" pitchFamily="18" charset="0"/>
               </a:rPr>
               <a:pPr/>
-              <a:t>2024/3/28</a:t>
+              <a:t>2024/3/29</a:t>
             </a:fld>
             <a:endParaRPr lang="zh-TW" altLang="en-US">
               <a:latin typeface="Times New Roman" panose="02020603050405020304" pitchFamily="18" charset="0"/>
@@ -4489,7 +4489,7 @@
                 <a:cs typeface="Times New Roman" panose="02020603050405020304" pitchFamily="18" charset="0"/>
               </a:rPr>
               <a:pPr/>
-              <a:t>2024/3/28</a:t>
+              <a:t>2024/3/29</a:t>
             </a:fld>
             <a:endParaRPr lang="zh-TW" altLang="en-US">
               <a:latin typeface="Times New Roman" panose="02020603050405020304" pitchFamily="18" charset="0"/>
@@ -4835,7 +4835,7 @@
                 <a:cs typeface="Times New Roman" panose="02020603050405020304" pitchFamily="18" charset="0"/>
               </a:rPr>
               <a:pPr/>
-              <a:t>2024/3/28</a:t>
+              <a:t>2024/3/29</a:t>
             </a:fld>
             <a:endParaRPr lang="zh-TW" altLang="en-US">
               <a:latin typeface="Times New Roman" panose="02020603050405020304" pitchFamily="18" charset="0"/>
@@ -5046,7 +5046,7 @@
                 <a:cs typeface="Times New Roman" panose="02020603050405020304" pitchFamily="18" charset="0"/>
               </a:rPr>
               <a:pPr/>
-              <a:t>2024/3/28</a:t>
+              <a:t>2024/3/29</a:t>
             </a:fld>
             <a:endParaRPr lang="zh-TW" altLang="en-US">
               <a:latin typeface="Times New Roman" panose="02020603050405020304" pitchFamily="18" charset="0"/>
@@ -5176,10 +5176,10 @@
       </p:pic>
       <p:pic>
         <p:nvPicPr>
-          <p:cNvPr id="14" name="圖片 13">
+          <p:cNvPr id="7" name="圖片 6">
             <a:extLst>
               <a:ext uri="{FF2B5EF4-FFF2-40B4-BE49-F238E27FC236}">
-                <a16:creationId xmlns:a16="http://schemas.microsoft.com/office/drawing/2014/main" id="{8EC8C335-C154-46A3-B87D-6645C1BBB9A3}"/>
+                <a16:creationId xmlns:a16="http://schemas.microsoft.com/office/drawing/2014/main" id="{210FC693-E78D-46AD-A0B8-F02230C74FF2}"/>
               </a:ext>
             </a:extLst>
           </p:cNvPr>
@@ -5196,7 +5196,7 @@
         </p:blipFill>
         <p:spPr>
           <a:xfrm>
-            <a:off x="2929105" y="3920437"/>
+            <a:off x="2760244" y="3939099"/>
             <a:ext cx="4320000" cy="3240000"/>
           </a:xfrm>
           <a:prstGeom prst="rect">
@@ -5295,7 +5295,7 @@
                 <a:cs typeface="Times New Roman" panose="02020603050405020304" pitchFamily="18" charset="0"/>
               </a:rPr>
               <a:pPr/>
-              <a:t>2024/3/28</a:t>
+              <a:t>2024/3/29</a:t>
             </a:fld>
             <a:endParaRPr lang="zh-TW" altLang="en-US">
               <a:latin typeface="Times New Roman" panose="02020603050405020304" pitchFamily="18" charset="0"/>
@@ -6103,7 +6103,7 @@
           <a:graphicData uri="http://schemas.openxmlformats.org/presentationml/2006/ole">
             <mc:AlternateContent xmlns:mc="http://schemas.openxmlformats.org/markup-compatibility/2006">
               <mc:Choice xmlns:v="urn:schemas-microsoft-com:vml" Requires="v">
-                <p:oleObj spid="_x0000_s12304" name="Equation" r:id="rId3" imgW="5841720" imgH="1498320" progId="Equation.DSMT4">
+                <p:oleObj spid="_x0000_s12306" name="Equation" r:id="rId3" imgW="5841720" imgH="1498320" progId="Equation.DSMT4">
                   <p:embed/>
                 </p:oleObj>
               </mc:Choice>
@@ -6235,7 +6235,7 @@
                 <a:cs typeface="Times New Roman" panose="02020603050405020304" pitchFamily="18" charset="0"/>
               </a:rPr>
               <a:pPr/>
-              <a:t>2024/3/28</a:t>
+              <a:t>2024/3/29</a:t>
             </a:fld>
             <a:endParaRPr lang="zh-TW" altLang="en-US">
               <a:latin typeface="Times New Roman" panose="02020603050405020304" pitchFamily="18" charset="0"/>
@@ -6408,7 +6408,7 @@
                 <a:cs typeface="Times New Roman" panose="02020603050405020304" pitchFamily="18" charset="0"/>
               </a:rPr>
               <a:pPr/>
-              <a:t>2024/3/28</a:t>
+              <a:t>2024/3/29</a:t>
             </a:fld>
             <a:endParaRPr lang="zh-TW" altLang="en-US">
               <a:latin typeface="Times New Roman" panose="02020603050405020304" pitchFamily="18" charset="0"/>
